--- a/Presentation/Adressverwaltung.pptx
+++ b/Presentation/Adressverwaltung.pptx
@@ -7,13 +7,13 @@
   <p:sldIdLst>
     <p:sldId id="256" r:id="rId2"/>
     <p:sldId id="264" r:id="rId3"/>
-    <p:sldId id="257" r:id="rId4"/>
-    <p:sldId id="258" r:id="rId5"/>
+    <p:sldId id="258" r:id="rId4"/>
+    <p:sldId id="257" r:id="rId5"/>
     <p:sldId id="261" r:id="rId6"/>
     <p:sldId id="262" r:id="rId7"/>
     <p:sldId id="263" r:id="rId8"/>
-    <p:sldId id="260" r:id="rId9"/>
-    <p:sldId id="259" r:id="rId10"/>
+    <p:sldId id="259" r:id="rId9"/>
+    <p:sldId id="260" r:id="rId10"/>
   </p:sldIdLst>
   <p:sldSz cx="12192000" cy="6858000"/>
   <p:notesSz cx="6858000" cy="9144000"/>
@@ -112,6 +112,11 @@
       </a:defRPr>
     </a:lvl9pPr>
   </p:defaultTextStyle>
+  <p:extLst>
+    <p:ext uri="{EFAFB233-063F-42B5-8137-9DF3F51BA10A}">
+      <p15:sldGuideLst xmlns:p15="http://schemas.microsoft.com/office/powerpoint/2012/main"/>
+    </p:ext>
+  </p:extLst>
 </p:presentation>
 </file>
 
@@ -262,7 +267,7 @@
           <a:p>
             <a:fld id="{B50E70F8-87FF-4141-9A83-A6149CB55E2C}" type="datetimeFigureOut">
               <a:rPr lang="de-DE" smtClean="0"/>
-              <a:t>27.05.2019</a:t>
+              <a:t>28.05.2019</a:t>
             </a:fld>
             <a:endParaRPr lang="de-DE"/>
           </a:p>
@@ -460,7 +465,7 @@
           <a:p>
             <a:fld id="{B50E70F8-87FF-4141-9A83-A6149CB55E2C}" type="datetimeFigureOut">
               <a:rPr lang="de-DE" smtClean="0"/>
-              <a:t>27.05.2019</a:t>
+              <a:t>28.05.2019</a:t>
             </a:fld>
             <a:endParaRPr lang="de-DE"/>
           </a:p>
@@ -668,7 +673,7 @@
           <a:p>
             <a:fld id="{B50E70F8-87FF-4141-9A83-A6149CB55E2C}" type="datetimeFigureOut">
               <a:rPr lang="de-DE" smtClean="0"/>
-              <a:t>27.05.2019</a:t>
+              <a:t>28.05.2019</a:t>
             </a:fld>
             <a:endParaRPr lang="de-DE"/>
           </a:p>
@@ -866,7 +871,7 @@
           <a:p>
             <a:fld id="{B50E70F8-87FF-4141-9A83-A6149CB55E2C}" type="datetimeFigureOut">
               <a:rPr lang="de-DE" smtClean="0"/>
-              <a:t>27.05.2019</a:t>
+              <a:t>28.05.2019</a:t>
             </a:fld>
             <a:endParaRPr lang="de-DE"/>
           </a:p>
@@ -1141,7 +1146,7 @@
           <a:p>
             <a:fld id="{B50E70F8-87FF-4141-9A83-A6149CB55E2C}" type="datetimeFigureOut">
               <a:rPr lang="de-DE" smtClean="0"/>
-              <a:t>27.05.2019</a:t>
+              <a:t>28.05.2019</a:t>
             </a:fld>
             <a:endParaRPr lang="de-DE"/>
           </a:p>
@@ -1406,7 +1411,7 @@
           <a:p>
             <a:fld id="{B50E70F8-87FF-4141-9A83-A6149CB55E2C}" type="datetimeFigureOut">
               <a:rPr lang="de-DE" smtClean="0"/>
-              <a:t>27.05.2019</a:t>
+              <a:t>28.05.2019</a:t>
             </a:fld>
             <a:endParaRPr lang="de-DE"/>
           </a:p>
@@ -1818,7 +1823,7 @@
           <a:p>
             <a:fld id="{B50E70F8-87FF-4141-9A83-A6149CB55E2C}" type="datetimeFigureOut">
               <a:rPr lang="de-DE" smtClean="0"/>
-              <a:t>27.05.2019</a:t>
+              <a:t>28.05.2019</a:t>
             </a:fld>
             <a:endParaRPr lang="de-DE"/>
           </a:p>
@@ -1959,7 +1964,7 @@
           <a:p>
             <a:fld id="{B50E70F8-87FF-4141-9A83-A6149CB55E2C}" type="datetimeFigureOut">
               <a:rPr lang="de-DE" smtClean="0"/>
-              <a:t>27.05.2019</a:t>
+              <a:t>28.05.2019</a:t>
             </a:fld>
             <a:endParaRPr lang="de-DE"/>
           </a:p>
@@ -2072,7 +2077,7 @@
           <a:p>
             <a:fld id="{B50E70F8-87FF-4141-9A83-A6149CB55E2C}" type="datetimeFigureOut">
               <a:rPr lang="de-DE" smtClean="0"/>
-              <a:t>27.05.2019</a:t>
+              <a:t>28.05.2019</a:t>
             </a:fld>
             <a:endParaRPr lang="de-DE"/>
           </a:p>
@@ -2383,7 +2388,7 @@
           <a:p>
             <a:fld id="{B50E70F8-87FF-4141-9A83-A6149CB55E2C}" type="datetimeFigureOut">
               <a:rPr lang="de-DE" smtClean="0"/>
-              <a:t>27.05.2019</a:t>
+              <a:t>28.05.2019</a:t>
             </a:fld>
             <a:endParaRPr lang="de-DE"/>
           </a:p>
@@ -2671,7 +2676,7 @@
           <a:p>
             <a:fld id="{B50E70F8-87FF-4141-9A83-A6149CB55E2C}" type="datetimeFigureOut">
               <a:rPr lang="de-DE" smtClean="0"/>
-              <a:t>27.05.2019</a:t>
+              <a:t>28.05.2019</a:t>
             </a:fld>
             <a:endParaRPr lang="de-DE"/>
           </a:p>
@@ -2912,7 +2917,7 @@
           <a:p>
             <a:fld id="{B50E70F8-87FF-4141-9A83-A6149CB55E2C}" type="datetimeFigureOut">
               <a:rPr lang="de-DE" smtClean="0"/>
-              <a:t>27.05.2019</a:t>
+              <a:t>28.05.2019</a:t>
             </a:fld>
             <a:endParaRPr lang="de-DE"/>
           </a:p>
@@ -3803,263 +3808,6 @@
       </p:grpSpPr>
       <p:sp>
         <p:nvSpPr>
-          <p:cNvPr id="10" name="Rectangle 9">
-            <a:extLst>
-              <a:ext uri="{FF2B5EF4-FFF2-40B4-BE49-F238E27FC236}">
-                <a16:creationId xmlns:a16="http://schemas.microsoft.com/office/drawing/2014/main" id="{823AC064-BC96-4F32-8AE1-B2FD38754823}"/>
-              </a:ext>
-              <a:ext uri="{C183D7F6-B498-43B3-948B-1728B52AA6E4}">
-                <adec:decorative xmlns:adec="http://schemas.microsoft.com/office/drawing/2017/decorative" val="1"/>
-              </a:ext>
-            </a:extLst>
-          </p:cNvPr>
-          <p:cNvSpPr>
-            <a:spLocks noGrp="1" noRot="1" noChangeAspect="1" noMove="1" noResize="1" noEditPoints="1" noAdjustHandles="1" noChangeArrowheads="1" noChangeShapeType="1" noTextEdit="1"/>
-          </p:cNvSpPr>
-          <p:nvPr>
-            <p:extLst>
-              <p:ext uri="{386F3935-93C4-4BCD-93E2-E3B085C9AB24}">
-                <p16:designElem xmlns:p16="http://schemas.microsoft.com/office/powerpoint/2015/main" val="1"/>
-              </p:ext>
-            </p:extLst>
-          </p:nvPr>
-        </p:nvSpPr>
-        <p:spPr bwMode="ltGray">
-          <a:xfrm>
-            <a:off x="378068" y="343486"/>
-            <a:ext cx="11438793" cy="1844256"/>
-          </a:xfrm>
-          <a:prstGeom prst="rect">
-            <a:avLst/>
-          </a:prstGeom>
-          <a:solidFill>
-            <a:srgbClr val="404040"/>
-          </a:solidFill>
-          <a:ln w="127000" cap="sq" cmpd="thinThick">
-            <a:solidFill>
-              <a:srgbClr val="404040"/>
-            </a:solidFill>
-          </a:ln>
-        </p:spPr>
-        <p:style>
-          <a:lnRef idx="2">
-            <a:schemeClr val="accent1">
-              <a:shade val="50000"/>
-            </a:schemeClr>
-          </a:lnRef>
-          <a:fillRef idx="1">
-            <a:schemeClr val="accent1"/>
-          </a:fillRef>
-          <a:effectRef idx="0">
-            <a:schemeClr val="accent1"/>
-          </a:effectRef>
-          <a:fontRef idx="minor">
-            <a:schemeClr val="lt1"/>
-          </a:fontRef>
-        </p:style>
-        <p:txBody>
-          <a:bodyPr rtlCol="0" anchor="ctr"/>
-          <a:lstStyle/>
-          <a:p>
-            <a:pPr marL="0" marR="0" lvl="0" indent="0" algn="ctr" defTabSz="914400" rtl="0" eaLnBrk="1" fontAlgn="auto" latinLnBrk="0" hangingPunct="1">
-              <a:lnSpc>
-                <a:spcPct val="100000"/>
-              </a:lnSpc>
-              <a:spcBef>
-                <a:spcPts val="0"/>
-              </a:spcBef>
-              <a:spcAft>
-                <a:spcPts val="0"/>
-              </a:spcAft>
-              <a:buClrTx/>
-              <a:buSzTx/>
-              <a:buFontTx/>
-              <a:buNone/>
-              <a:tabLst/>
-              <a:defRPr/>
-            </a:pPr>
-            <a:endParaRPr kumimoji="0" lang="en-US" sz="1800" b="0" i="0" u="none" strike="noStrike" kern="1200" cap="none" spc="0" normalizeH="0" baseline="0" noProof="0">
-              <a:ln>
-                <a:noFill/>
-              </a:ln>
-              <a:solidFill>
-                <a:prstClr val="white"/>
-              </a:solidFill>
-              <a:effectLst/>
-              <a:uLnTx/>
-              <a:uFillTx/>
-              <a:latin typeface="Calibri" panose="020F0502020204030204"/>
-              <a:ea typeface="+mn-ea"/>
-              <a:cs typeface="+mn-cs"/>
-            </a:endParaRPr>
-          </a:p>
-        </p:txBody>
-      </p:sp>
-      <p:sp>
-        <p:nvSpPr>
-          <p:cNvPr id="2" name="Titel 1">
-            <a:extLst>
-              <a:ext uri="{FF2B5EF4-FFF2-40B4-BE49-F238E27FC236}">
-                <a16:creationId xmlns:a16="http://schemas.microsoft.com/office/drawing/2014/main" id="{3E724F14-574E-4C33-B265-329AF2A36DC8}"/>
-              </a:ext>
-            </a:extLst>
-          </p:cNvPr>
-          <p:cNvSpPr>
-            <a:spLocks noGrp="1"/>
-          </p:cNvSpPr>
-          <p:nvPr>
-            <p:ph type="title"/>
-          </p:nvPr>
-        </p:nvSpPr>
-        <p:spPr>
-          <a:xfrm>
-            <a:off x="526073" y="466578"/>
-            <a:ext cx="11139854" cy="930447"/>
-          </a:xfrm>
-        </p:spPr>
-        <p:txBody>
-          <a:bodyPr vert="horz" lIns="91440" tIns="45720" rIns="91440" bIns="45720" rtlCol="0" anchor="b">
-            <a:normAutofit/>
-          </a:bodyPr>
-          <a:lstStyle/>
-          <a:p>
-            <a:pPr algn="ctr"/>
-            <a:r>
-              <a:rPr lang="en-US" sz="5400" kern="1200">
-                <a:solidFill>
-                  <a:srgbClr val="FFFFFF"/>
-                </a:solidFill>
-                <a:latin typeface="+mj-lt"/>
-                <a:ea typeface="+mj-ea"/>
-                <a:cs typeface="+mj-cs"/>
-              </a:rPr>
-              <a:t>Zeitplan</a:t>
-            </a:r>
-          </a:p>
-        </p:txBody>
-      </p:sp>
-      <p:cxnSp>
-        <p:nvCxnSpPr>
-          <p:cNvPr id="12" name="Straight Connector 11">
-            <a:extLst>
-              <a:ext uri="{FF2B5EF4-FFF2-40B4-BE49-F238E27FC236}">
-                <a16:creationId xmlns:a16="http://schemas.microsoft.com/office/drawing/2014/main" id="{7E7C77BC-7138-40B1-A15B-20F57A494629}"/>
-              </a:ext>
-              <a:ext uri="{C183D7F6-B498-43B3-948B-1728B52AA6E4}">
-                <adec:decorative xmlns:adec="http://schemas.microsoft.com/office/drawing/2017/decorative" val="1"/>
-              </a:ext>
-            </a:extLst>
-          </p:cNvPr>
-          <p:cNvCxnSpPr>
-            <a:cxnSpLocks noGrp="1" noRot="1" noChangeAspect="1" noMove="1" noResize="1" noEditPoints="1" noAdjustHandles="1" noChangeArrowheads="1" noChangeShapeType="1"/>
-          </p:cNvCxnSpPr>
-          <p:nvPr>
-            <p:extLst>
-              <p:ext uri="{386F3935-93C4-4BCD-93E2-E3B085C9AB24}">
-                <p16:designElem xmlns:p16="http://schemas.microsoft.com/office/powerpoint/2015/main" val="1"/>
-              </p:ext>
-            </p:extLst>
-          </p:nvPr>
-        </p:nvCxnSpPr>
-        <p:spPr>
-          <a:xfrm>
-            <a:off x="2209800" y="1448631"/>
-            <a:ext cx="7772400" cy="0"/>
-          </a:xfrm>
-          <a:prstGeom prst="line">
-            <a:avLst/>
-          </a:prstGeom>
-          <a:ln w="22225">
-            <a:solidFill>
-              <a:srgbClr val="D9D9D9"/>
-            </a:solidFill>
-          </a:ln>
-        </p:spPr>
-        <p:style>
-          <a:lnRef idx="1">
-            <a:schemeClr val="accent1"/>
-          </a:lnRef>
-          <a:fillRef idx="0">
-            <a:schemeClr val="accent1"/>
-          </a:fillRef>
-          <a:effectRef idx="0">
-            <a:schemeClr val="accent1"/>
-          </a:effectRef>
-          <a:fontRef idx="minor">
-            <a:schemeClr val="tx1"/>
-          </a:fontRef>
-        </p:style>
-      </p:cxnSp>
-      <p:pic>
-        <p:nvPicPr>
-          <p:cNvPr id="5" name="Grafik 4">
-            <a:extLst>
-              <a:ext uri="{FF2B5EF4-FFF2-40B4-BE49-F238E27FC236}">
-                <a16:creationId xmlns:a16="http://schemas.microsoft.com/office/drawing/2014/main" id="{D602E2EA-E165-4207-AD67-F1C7920C1EAA}"/>
-              </a:ext>
-            </a:extLst>
-          </p:cNvPr>
-          <p:cNvPicPr>
-            <a:picLocks noChangeAspect="1"/>
-          </p:cNvPicPr>
-          <p:nvPr/>
-        </p:nvPicPr>
-        <p:blipFill>
-          <a:blip r:embed="rId2"/>
-          <a:stretch>
-            <a:fillRect/>
-          </a:stretch>
-        </p:blipFill>
-        <p:spPr>
-          <a:xfrm>
-            <a:off x="554469" y="2509911"/>
-            <a:ext cx="11027962" cy="3997637"/>
-          </a:xfrm>
-          <a:prstGeom prst="rect">
-            <a:avLst/>
-          </a:prstGeom>
-        </p:spPr>
-      </p:pic>
-    </p:spTree>
-    <p:extLst>
-      <p:ext uri="{BB962C8B-B14F-4D97-AF65-F5344CB8AC3E}">
-        <p14:creationId xmlns:p14="http://schemas.microsoft.com/office/powerpoint/2010/main" val="1101589091"/>
-      </p:ext>
-    </p:extLst>
-  </p:cSld>
-  <p:clrMapOvr>
-    <a:masterClrMapping/>
-  </p:clrMapOvr>
-</p:sld>
-</file>
-
-<file path=ppt/slides/slide4.xml><?xml version="1.0" encoding="utf-8"?>
-<p:sld xmlns:a="http://schemas.openxmlformats.org/drawingml/2006/main" xmlns:r="http://schemas.openxmlformats.org/officeDocument/2006/relationships" xmlns:p="http://schemas.openxmlformats.org/presentationml/2006/main">
-  <p:cSld>
-    <p:bg>
-      <p:bgPr>
-        <a:solidFill>
-          <a:schemeClr val="bg1"/>
-        </a:solidFill>
-        <a:effectLst/>
-      </p:bgPr>
-    </p:bg>
-    <p:spTree>
-      <p:nvGrpSpPr>
-        <p:cNvPr id="1" name=""/>
-        <p:cNvGrpSpPr/>
-        <p:nvPr/>
-      </p:nvGrpSpPr>
-      <p:grpSpPr>
-        <a:xfrm>
-          <a:off x="0" y="0"/>
-          <a:ext cx="0" cy="0"/>
-          <a:chOff x="0" y="0"/>
-          <a:chExt cx="0" cy="0"/>
-        </a:xfrm>
-      </p:grpSpPr>
-      <p:sp>
-        <p:nvSpPr>
           <p:cNvPr id="78" name="Rectangle 77">
             <a:extLst>
               <a:ext uri="{FF2B5EF4-FFF2-40B4-BE49-F238E27FC236}">
@@ -4325,6 +4073,263 @@
     <p:extLst>
       <p:ext uri="{BB962C8B-B14F-4D97-AF65-F5344CB8AC3E}">
         <p14:creationId xmlns:p14="http://schemas.microsoft.com/office/powerpoint/2010/main" val="4006416152"/>
+      </p:ext>
+    </p:extLst>
+  </p:cSld>
+  <p:clrMapOvr>
+    <a:masterClrMapping/>
+  </p:clrMapOvr>
+</p:sld>
+</file>
+
+<file path=ppt/slides/slide4.xml><?xml version="1.0" encoding="utf-8"?>
+<p:sld xmlns:a="http://schemas.openxmlformats.org/drawingml/2006/main" xmlns:r="http://schemas.openxmlformats.org/officeDocument/2006/relationships" xmlns:p="http://schemas.openxmlformats.org/presentationml/2006/main">
+  <p:cSld>
+    <p:bg>
+      <p:bgPr>
+        <a:solidFill>
+          <a:schemeClr val="bg1"/>
+        </a:solidFill>
+        <a:effectLst/>
+      </p:bgPr>
+    </p:bg>
+    <p:spTree>
+      <p:nvGrpSpPr>
+        <p:cNvPr id="1" name=""/>
+        <p:cNvGrpSpPr/>
+        <p:nvPr/>
+      </p:nvGrpSpPr>
+      <p:grpSpPr>
+        <a:xfrm>
+          <a:off x="0" y="0"/>
+          <a:ext cx="0" cy="0"/>
+          <a:chOff x="0" y="0"/>
+          <a:chExt cx="0" cy="0"/>
+        </a:xfrm>
+      </p:grpSpPr>
+      <p:sp>
+        <p:nvSpPr>
+          <p:cNvPr id="10" name="Rectangle 9">
+            <a:extLst>
+              <a:ext uri="{FF2B5EF4-FFF2-40B4-BE49-F238E27FC236}">
+                <a16:creationId xmlns:a16="http://schemas.microsoft.com/office/drawing/2014/main" id="{823AC064-BC96-4F32-8AE1-B2FD38754823}"/>
+              </a:ext>
+              <a:ext uri="{C183D7F6-B498-43B3-948B-1728B52AA6E4}">
+                <adec:decorative xmlns:adec="http://schemas.microsoft.com/office/drawing/2017/decorative" val="1"/>
+              </a:ext>
+            </a:extLst>
+          </p:cNvPr>
+          <p:cNvSpPr>
+            <a:spLocks noGrp="1" noRot="1" noChangeAspect="1" noMove="1" noResize="1" noEditPoints="1" noAdjustHandles="1" noChangeArrowheads="1" noChangeShapeType="1" noTextEdit="1"/>
+          </p:cNvSpPr>
+          <p:nvPr>
+            <p:extLst>
+              <p:ext uri="{386F3935-93C4-4BCD-93E2-E3B085C9AB24}">
+                <p16:designElem xmlns:p16="http://schemas.microsoft.com/office/powerpoint/2015/main" val="1"/>
+              </p:ext>
+            </p:extLst>
+          </p:nvPr>
+        </p:nvSpPr>
+        <p:spPr bwMode="ltGray">
+          <a:xfrm>
+            <a:off x="378068" y="343486"/>
+            <a:ext cx="11438793" cy="1844256"/>
+          </a:xfrm>
+          <a:prstGeom prst="rect">
+            <a:avLst/>
+          </a:prstGeom>
+          <a:solidFill>
+            <a:srgbClr val="404040"/>
+          </a:solidFill>
+          <a:ln w="127000" cap="sq" cmpd="thinThick">
+            <a:solidFill>
+              <a:srgbClr val="404040"/>
+            </a:solidFill>
+          </a:ln>
+        </p:spPr>
+        <p:style>
+          <a:lnRef idx="2">
+            <a:schemeClr val="accent1">
+              <a:shade val="50000"/>
+            </a:schemeClr>
+          </a:lnRef>
+          <a:fillRef idx="1">
+            <a:schemeClr val="accent1"/>
+          </a:fillRef>
+          <a:effectRef idx="0">
+            <a:schemeClr val="accent1"/>
+          </a:effectRef>
+          <a:fontRef idx="minor">
+            <a:schemeClr val="lt1"/>
+          </a:fontRef>
+        </p:style>
+        <p:txBody>
+          <a:bodyPr rtlCol="0" anchor="ctr"/>
+          <a:lstStyle/>
+          <a:p>
+            <a:pPr marL="0" marR="0" lvl="0" indent="0" algn="ctr" defTabSz="914400" rtl="0" eaLnBrk="1" fontAlgn="auto" latinLnBrk="0" hangingPunct="1">
+              <a:lnSpc>
+                <a:spcPct val="100000"/>
+              </a:lnSpc>
+              <a:spcBef>
+                <a:spcPts val="0"/>
+              </a:spcBef>
+              <a:spcAft>
+                <a:spcPts val="0"/>
+              </a:spcAft>
+              <a:buClrTx/>
+              <a:buSzTx/>
+              <a:buFontTx/>
+              <a:buNone/>
+              <a:tabLst/>
+              <a:defRPr/>
+            </a:pPr>
+            <a:endParaRPr kumimoji="0" lang="en-US" sz="1800" b="0" i="0" u="none" strike="noStrike" kern="1200" cap="none" spc="0" normalizeH="0" baseline="0" noProof="0">
+              <a:ln>
+                <a:noFill/>
+              </a:ln>
+              <a:solidFill>
+                <a:prstClr val="white"/>
+              </a:solidFill>
+              <a:effectLst/>
+              <a:uLnTx/>
+              <a:uFillTx/>
+              <a:latin typeface="Calibri" panose="020F0502020204030204"/>
+              <a:ea typeface="+mn-ea"/>
+              <a:cs typeface="+mn-cs"/>
+            </a:endParaRPr>
+          </a:p>
+        </p:txBody>
+      </p:sp>
+      <p:sp>
+        <p:nvSpPr>
+          <p:cNvPr id="2" name="Titel 1">
+            <a:extLst>
+              <a:ext uri="{FF2B5EF4-FFF2-40B4-BE49-F238E27FC236}">
+                <a16:creationId xmlns:a16="http://schemas.microsoft.com/office/drawing/2014/main" id="{3E724F14-574E-4C33-B265-329AF2A36DC8}"/>
+              </a:ext>
+            </a:extLst>
+          </p:cNvPr>
+          <p:cNvSpPr>
+            <a:spLocks noGrp="1"/>
+          </p:cNvSpPr>
+          <p:nvPr>
+            <p:ph type="title"/>
+          </p:nvPr>
+        </p:nvSpPr>
+        <p:spPr>
+          <a:xfrm>
+            <a:off x="526073" y="466578"/>
+            <a:ext cx="11139854" cy="930447"/>
+          </a:xfrm>
+        </p:spPr>
+        <p:txBody>
+          <a:bodyPr vert="horz" lIns="91440" tIns="45720" rIns="91440" bIns="45720" rtlCol="0" anchor="b">
+            <a:normAutofit/>
+          </a:bodyPr>
+          <a:lstStyle/>
+          <a:p>
+            <a:pPr algn="ctr"/>
+            <a:r>
+              <a:rPr lang="en-US" sz="5400" kern="1200">
+                <a:solidFill>
+                  <a:srgbClr val="FFFFFF"/>
+                </a:solidFill>
+                <a:latin typeface="+mj-lt"/>
+                <a:ea typeface="+mj-ea"/>
+                <a:cs typeface="+mj-cs"/>
+              </a:rPr>
+              <a:t>Zeitplan</a:t>
+            </a:r>
+          </a:p>
+        </p:txBody>
+      </p:sp>
+      <p:cxnSp>
+        <p:nvCxnSpPr>
+          <p:cNvPr id="12" name="Straight Connector 11">
+            <a:extLst>
+              <a:ext uri="{FF2B5EF4-FFF2-40B4-BE49-F238E27FC236}">
+                <a16:creationId xmlns:a16="http://schemas.microsoft.com/office/drawing/2014/main" id="{7E7C77BC-7138-40B1-A15B-20F57A494629}"/>
+              </a:ext>
+              <a:ext uri="{C183D7F6-B498-43B3-948B-1728B52AA6E4}">
+                <adec:decorative xmlns:adec="http://schemas.microsoft.com/office/drawing/2017/decorative" val="1"/>
+              </a:ext>
+            </a:extLst>
+          </p:cNvPr>
+          <p:cNvCxnSpPr>
+            <a:cxnSpLocks noGrp="1" noRot="1" noChangeAspect="1" noMove="1" noResize="1" noEditPoints="1" noAdjustHandles="1" noChangeArrowheads="1" noChangeShapeType="1"/>
+          </p:cNvCxnSpPr>
+          <p:nvPr>
+            <p:extLst>
+              <p:ext uri="{386F3935-93C4-4BCD-93E2-E3B085C9AB24}">
+                <p16:designElem xmlns:p16="http://schemas.microsoft.com/office/powerpoint/2015/main" val="1"/>
+              </p:ext>
+            </p:extLst>
+          </p:nvPr>
+        </p:nvCxnSpPr>
+        <p:spPr>
+          <a:xfrm>
+            <a:off x="2209800" y="1448631"/>
+            <a:ext cx="7772400" cy="0"/>
+          </a:xfrm>
+          <a:prstGeom prst="line">
+            <a:avLst/>
+          </a:prstGeom>
+          <a:ln w="22225">
+            <a:solidFill>
+              <a:srgbClr val="D9D9D9"/>
+            </a:solidFill>
+          </a:ln>
+        </p:spPr>
+        <p:style>
+          <a:lnRef idx="1">
+            <a:schemeClr val="accent1"/>
+          </a:lnRef>
+          <a:fillRef idx="0">
+            <a:schemeClr val="accent1"/>
+          </a:fillRef>
+          <a:effectRef idx="0">
+            <a:schemeClr val="accent1"/>
+          </a:effectRef>
+          <a:fontRef idx="minor">
+            <a:schemeClr val="tx1"/>
+          </a:fontRef>
+        </p:style>
+      </p:cxnSp>
+      <p:pic>
+        <p:nvPicPr>
+          <p:cNvPr id="5" name="Grafik 4">
+            <a:extLst>
+              <a:ext uri="{FF2B5EF4-FFF2-40B4-BE49-F238E27FC236}">
+                <a16:creationId xmlns:a16="http://schemas.microsoft.com/office/drawing/2014/main" id="{D602E2EA-E165-4207-AD67-F1C7920C1EAA}"/>
+              </a:ext>
+            </a:extLst>
+          </p:cNvPr>
+          <p:cNvPicPr>
+            <a:picLocks noChangeAspect="1"/>
+          </p:cNvPicPr>
+          <p:nvPr/>
+        </p:nvPicPr>
+        <p:blipFill>
+          <a:blip r:embed="rId2"/>
+          <a:stretch>
+            <a:fillRect/>
+          </a:stretch>
+        </p:blipFill>
+        <p:spPr>
+          <a:xfrm>
+            <a:off x="554469" y="2509911"/>
+            <a:ext cx="11027962" cy="3997637"/>
+          </a:xfrm>
+          <a:prstGeom prst="rect">
+            <a:avLst/>
+          </a:prstGeom>
+        </p:spPr>
+      </p:pic>
+    </p:spTree>
+    <p:extLst>
+      <p:ext uri="{BB962C8B-B14F-4D97-AF65-F5344CB8AC3E}">
+        <p14:creationId xmlns:p14="http://schemas.microsoft.com/office/powerpoint/2010/main" val="1101589091"/>
       </p:ext>
     </p:extLst>
   </p:cSld>
@@ -5730,7 +5735,7 @@
           <p:cNvPr id="2" name="Titel 1">
             <a:extLst>
               <a:ext uri="{FF2B5EF4-FFF2-40B4-BE49-F238E27FC236}">
-                <a16:creationId xmlns:a16="http://schemas.microsoft.com/office/drawing/2014/main" id="{A8564A9A-5FF2-4D95-80B5-75D9C1494580}"/>
+                <a16:creationId xmlns:a16="http://schemas.microsoft.com/office/drawing/2014/main" id="{F1094C7F-A789-4305-83FC-AD209923D7E6}"/>
               </a:ext>
             </a:extLst>
           </p:cNvPr>
@@ -5763,29 +5768,7 @@
                 <a:ea typeface="+mj-ea"/>
                 <a:cs typeface="+mj-cs"/>
               </a:rPr>
-              <a:t>Suche</a:t>
-            </a:r>
-            <a:r>
-              <a:rPr lang="en-US" kern="1200" dirty="0">
-                <a:solidFill>
-                  <a:schemeClr val="accent1"/>
-                </a:solidFill>
-                <a:latin typeface="+mj-lt"/>
-                <a:ea typeface="+mj-ea"/>
-                <a:cs typeface="+mj-cs"/>
-              </a:rPr>
-              <a:t> in der </a:t>
-            </a:r>
-            <a:r>
-              <a:rPr lang="en-US" kern="1200" dirty="0" err="1">
-                <a:solidFill>
-                  <a:schemeClr val="accent1"/>
-                </a:solidFill>
-                <a:latin typeface="+mj-lt"/>
-                <a:ea typeface="+mj-ea"/>
-                <a:cs typeface="+mj-cs"/>
-              </a:rPr>
-              <a:t>Adresse</a:t>
+              <a:t>Zufalls</a:t>
             </a:r>
             <a:r>
               <a:rPr lang="en-US" kern="1200" dirty="0">
@@ -5807,7 +5790,37 @@
                 <a:ea typeface="+mj-ea"/>
                 <a:cs typeface="+mj-cs"/>
               </a:rPr>
-              <a:t>Verwaltung</a:t>
+              <a:t>Adressen</a:t>
+            </a:r>
+            <a:r>
+              <a:rPr lang="en-US" kern="1200" dirty="0">
+                <a:solidFill>
+                  <a:schemeClr val="accent1"/>
+                </a:solidFill>
+                <a:latin typeface="+mj-lt"/>
+                <a:ea typeface="+mj-ea"/>
+                <a:cs typeface="+mj-cs"/>
+              </a:rPr>
+              <a:t> </a:t>
+            </a:r>
+            <a:r>
+              <a:rPr lang="en-US" kern="1200" dirty="0" err="1">
+                <a:solidFill>
+                  <a:schemeClr val="accent1"/>
+                </a:solidFill>
+                <a:latin typeface="+mj-lt"/>
+                <a:ea typeface="+mj-ea"/>
+                <a:cs typeface="+mj-cs"/>
+              </a:rPr>
+              <a:t>G</a:t>
+            </a:r>
+            <a:r>
+              <a:rPr lang="en-US" dirty="0" err="1">
+                <a:solidFill>
+                  <a:schemeClr val="accent1"/>
+                </a:solidFill>
+              </a:rPr>
+              <a:t>enerieren</a:t>
             </a:r>
             <a:endParaRPr lang="en-US" kern="1200" dirty="0">
               <a:solidFill>
@@ -5880,7 +5893,7 @@
           <p:cNvPr id="3" name="Textfeld 2">
             <a:extLst>
               <a:ext uri="{FF2B5EF4-FFF2-40B4-BE49-F238E27FC236}">
-                <a16:creationId xmlns:a16="http://schemas.microsoft.com/office/drawing/2014/main" id="{06CFFFE5-06CC-40A7-93B8-BE3411E94A7F}"/>
+                <a16:creationId xmlns:a16="http://schemas.microsoft.com/office/drawing/2014/main" id="{2A85701C-E123-4337-A15E-ECFF5975B75F}"/>
               </a:ext>
             </a:extLst>
           </p:cNvPr>
@@ -5902,7 +5915,7 @@
           </a:bodyPr>
           <a:lstStyle/>
           <a:p>
-            <a:pPr marL="57150">
+            <a:pPr>
               <a:lnSpc>
                 <a:spcPct val="90000"/>
               </a:lnSpc>
@@ -5911,17 +5924,24 @@
               </a:spcAft>
             </a:pPr>
             <a:r>
-              <a:rPr lang="en-US" sz="2400" u="sng" dirty="0"/>
-              <a:t>C# Dictionary </a:t>
-            </a:r>
-            <a:r>
-              <a:rPr lang="en-US" sz="2400" u="sng" dirty="0" err="1"/>
-              <a:t>Suche</a:t>
-            </a:r>
-            <a:endParaRPr lang="en-US" sz="2400" u="sng" dirty="0"/>
-          </a:p>
-          <a:p>
-            <a:pPr marL="57150">
+              <a:rPr lang="en-US" sz="2800" u="sng" dirty="0" err="1"/>
+              <a:t>Einzelne</a:t>
+            </a:r>
+            <a:r>
+              <a:rPr lang="en-US" sz="2800" u="sng" dirty="0"/>
+              <a:t> </a:t>
+            </a:r>
+            <a:r>
+              <a:rPr lang="en-US" sz="2800" u="sng" dirty="0" err="1"/>
+              <a:t>Adressen</a:t>
+            </a:r>
+            <a:r>
+              <a:rPr lang="en-US" sz="2800" u="sng" dirty="0"/>
+              <a:t> </a:t>
+            </a:r>
+          </a:p>
+          <a:p>
+            <a:pPr>
               <a:lnSpc>
                 <a:spcPct val="90000"/>
               </a:lnSpc>
@@ -5930,32 +5950,46 @@
               </a:spcAft>
             </a:pPr>
             <a:r>
-              <a:rPr lang="en-US" sz="2400" dirty="0" err="1"/>
-              <a:t>Schnelle</a:t>
-            </a:r>
-            <a:r>
-              <a:rPr lang="en-US" sz="2400" dirty="0"/>
+              <a:rPr lang="en-US" sz="2000" dirty="0" err="1"/>
+              <a:t>Einzelne</a:t>
+            </a:r>
+            <a:r>
+              <a:rPr lang="en-US" sz="2000" dirty="0"/>
               <a:t> </a:t>
             </a:r>
             <a:r>
-              <a:rPr lang="en-US" sz="2400" dirty="0" err="1"/>
-              <a:t>suche</a:t>
-            </a:r>
-            <a:r>
-              <a:rPr lang="en-US" sz="2400" dirty="0"/>
+              <a:rPr lang="en-US" sz="2000" dirty="0" err="1"/>
+              <a:t>Adressen</a:t>
+            </a:r>
+            <a:r>
+              <a:rPr lang="en-US" sz="2000" dirty="0"/>
               <a:t> </a:t>
             </a:r>
             <a:r>
-              <a:rPr lang="en-US" sz="2400" dirty="0" err="1"/>
-              <a:t>nach</a:t>
-            </a:r>
-            <a:r>
-              <a:rPr lang="en-US" sz="2400" dirty="0"/>
-              <a:t> Emails in C# Dictionary.</a:t>
-            </a:r>
-          </a:p>
-          <a:p>
-            <a:pPr marL="57150">
+              <a:rPr lang="en-US" sz="2000" dirty="0" err="1"/>
+              <a:t>werden</a:t>
+            </a:r>
+            <a:r>
+              <a:rPr lang="en-US" sz="2000" dirty="0"/>
+              <a:t> von API </a:t>
+            </a:r>
+            <a:r>
+              <a:rPr lang="en-US" sz="2000" dirty="0" err="1"/>
+              <a:t>Geladen</a:t>
+            </a:r>
+            <a:r>
+              <a:rPr lang="en-US" sz="2000" dirty="0"/>
+              <a:t> </a:t>
+            </a:r>
+            <a:r>
+              <a:rPr lang="en-US" sz="2000" dirty="0">
+                <a:hlinkClick r:id="rId2"/>
+              </a:rPr>
+              <a:t>https://api.mockaroo.com/api/ba04da60</a:t>
+            </a:r>
+          </a:p>
+          <a:p>
+            <a:pPr>
               <a:lnSpc>
                 <a:spcPct val="90000"/>
               </a:lnSpc>
@@ -5963,10 +5997,16 @@
                 <a:spcPts val="600"/>
               </a:spcAft>
             </a:pPr>
-            <a:endParaRPr lang="en-US" sz="2400" dirty="0"/>
-          </a:p>
-          <a:p>
-            <a:pPr marL="57150">
+            <a:r>
+              <a:rPr lang="en-US" sz="2000" dirty="0">
+                <a:hlinkClick r:id="rId2"/>
+              </a:rPr>
+              <a:t>?count=1&amp;key=e4db1a50</a:t>
+            </a:r>
+            <a:endParaRPr lang="en-US" sz="2000" dirty="0"/>
+          </a:p>
+          <a:p>
+            <a:pPr>
               <a:lnSpc>
                 <a:spcPct val="90000"/>
               </a:lnSpc>
@@ -5974,46 +6014,10 @@
                 <a:spcPts val="600"/>
               </a:spcAft>
             </a:pPr>
-            <a:r>
-              <a:rPr lang="en-US" sz="2400" u="sng" dirty="0" err="1"/>
-              <a:t>Vorteile</a:t>
-            </a:r>
-            <a:r>
-              <a:rPr lang="en-US" sz="2400" u="sng" dirty="0"/>
-              <a:t>: </a:t>
-            </a:r>
-            <a:r>
-              <a:rPr lang="en-US" sz="2400" dirty="0" err="1"/>
-              <a:t>Schnelles</a:t>
-            </a:r>
-            <a:r>
-              <a:rPr lang="en-US" sz="2400" dirty="0"/>
-              <a:t> </a:t>
-            </a:r>
-            <a:r>
-              <a:rPr lang="en-US" sz="2400" dirty="0" err="1"/>
-              <a:t>Suchen</a:t>
-            </a:r>
-            <a:r>
-              <a:rPr lang="en-US" sz="2400" dirty="0"/>
-              <a:t> </a:t>
-            </a:r>
-            <a:r>
-              <a:rPr lang="en-US" sz="2400" dirty="0" err="1"/>
-              <a:t>nach</a:t>
-            </a:r>
-            <a:r>
-              <a:rPr lang="en-US" sz="2400" dirty="0"/>
-              <a:t> Email </a:t>
-            </a:r>
-            <a:r>
-              <a:rPr lang="en-US" sz="2400" dirty="0" err="1"/>
-              <a:t>Adressen</a:t>
-            </a:r>
-            <a:endParaRPr lang="en-US" sz="2400" dirty="0"/>
-          </a:p>
-          <a:p>
-            <a:pPr marL="57150">
+            <a:endParaRPr lang="en-US" sz="2000" dirty="0"/>
+          </a:p>
+          <a:p>
+            <a:pPr>
               <a:lnSpc>
                 <a:spcPct val="90000"/>
               </a:lnSpc>
@@ -6022,33 +6026,56 @@
               </a:spcAft>
             </a:pPr>
             <a:r>
-              <a:rPr lang="en-US" sz="2400" u="sng" dirty="0" err="1"/>
-              <a:t>Nachteile</a:t>
-            </a:r>
-            <a:r>
-              <a:rPr lang="en-US" sz="2400" u="sng" dirty="0"/>
-              <a:t>:</a:t>
-            </a:r>
-            <a:r>
-              <a:rPr lang="en-US" sz="2400" dirty="0"/>
+              <a:rPr lang="en-US" sz="2000" u="sng" dirty="0" err="1"/>
+              <a:t>Vorteile</a:t>
+            </a:r>
+            <a:r>
+              <a:rPr lang="en-US" sz="2000" u="sng" dirty="0"/>
+              <a:t>: </a:t>
+            </a:r>
+            <a:r>
+              <a:rPr lang="en-US" sz="2000" dirty="0" err="1"/>
+              <a:t>Einfach</a:t>
+            </a:r>
+            <a:r>
+              <a:rPr lang="en-US" sz="2000" dirty="0"/>
               <a:t> </a:t>
             </a:r>
             <a:r>
-              <a:rPr lang="en-US" sz="2400" dirty="0" err="1"/>
-              <a:t>Begrenzt</a:t>
-            </a:r>
-            <a:r>
-              <a:rPr lang="en-US" sz="2400" dirty="0"/>
-              <a:t> Auf Email </a:t>
-            </a:r>
-            <a:r>
-              <a:rPr lang="en-US" sz="2400" dirty="0" err="1"/>
-              <a:t>Suche</a:t>
-            </a:r>
-            <a:endParaRPr lang="en-US" sz="2400" dirty="0"/>
-          </a:p>
-          <a:p>
-            <a:pPr marL="57150">
+              <a:rPr lang="en-US" sz="2000" dirty="0" err="1"/>
+              <a:t>Realistische</a:t>
+            </a:r>
+            <a:r>
+              <a:rPr lang="en-US" sz="2000" dirty="0"/>
+              <a:t> </a:t>
+            </a:r>
+            <a:r>
+              <a:rPr lang="en-US" sz="2000" dirty="0" err="1"/>
+              <a:t>Adressen</a:t>
+            </a:r>
+            <a:r>
+              <a:rPr lang="en-US" sz="2000" dirty="0"/>
+              <a:t> </a:t>
+            </a:r>
+            <a:r>
+              <a:rPr lang="en-US" sz="2000" dirty="0" err="1"/>
+              <a:t>zu</a:t>
+            </a:r>
+            <a:r>
+              <a:rPr lang="en-US" sz="2000" dirty="0"/>
+              <a:t> </a:t>
+            </a:r>
+            <a:r>
+              <a:rPr lang="en-US" sz="2000" dirty="0" err="1"/>
+              <a:t>Erzeugen</a:t>
+            </a:r>
+            <a:r>
+              <a:rPr lang="en-US" sz="2000" dirty="0"/>
+              <a:t> </a:t>
+            </a:r>
+          </a:p>
+          <a:p>
+            <a:pPr>
               <a:lnSpc>
                 <a:spcPct val="90000"/>
               </a:lnSpc>
@@ -6056,188 +6083,35 @@
                 <a:spcPts val="600"/>
               </a:spcAft>
             </a:pPr>
-            <a:endParaRPr lang="en-US" sz="2200" u="sng" dirty="0"/>
-          </a:p>
-          <a:p>
-            <a:pPr marL="57150">
-              <a:lnSpc>
-                <a:spcPct val="90000"/>
-              </a:lnSpc>
-              <a:spcAft>
-                <a:spcPts val="600"/>
-              </a:spcAft>
-            </a:pPr>
-            <a:r>
-              <a:rPr lang="en-US" sz="2800" u="sng" dirty="0" err="1"/>
-              <a:t>Direkte</a:t>
-            </a:r>
-            <a:r>
-              <a:rPr lang="en-US" sz="2800" u="sng" dirty="0"/>
+            <a:r>
+              <a:rPr lang="en-US" sz="2000" u="sng" dirty="0" err="1"/>
+              <a:t>Nachteile</a:t>
+            </a:r>
+            <a:r>
+              <a:rPr lang="en-US" sz="2000" u="sng" dirty="0"/>
+              <a:t>: </a:t>
+            </a:r>
+            <a:r>
+              <a:rPr lang="en-US" sz="2000" dirty="0" err="1"/>
+              <a:t>Beschränkte</a:t>
+            </a:r>
+            <a:r>
+              <a:rPr lang="en-US" sz="2000" dirty="0"/>
               <a:t> </a:t>
             </a:r>
             <a:r>
-              <a:rPr lang="en-US" sz="2800" u="sng" dirty="0" err="1"/>
-              <a:t>Suche</a:t>
-            </a:r>
-            <a:endParaRPr lang="en-US" sz="2800" u="sng" dirty="0"/>
-          </a:p>
-          <a:p>
-            <a:pPr marL="57150">
-              <a:lnSpc>
-                <a:spcPct val="90000"/>
-              </a:lnSpc>
-              <a:spcAft>
-                <a:spcPts val="600"/>
-              </a:spcAft>
-            </a:pPr>
-            <a:r>
-              <a:rPr lang="en-US" sz="2400" dirty="0" err="1"/>
-              <a:t>Direkte</a:t>
-            </a:r>
-            <a:r>
-              <a:rPr lang="en-US" sz="2400" dirty="0"/>
-              <a:t> </a:t>
-            </a:r>
-            <a:r>
-              <a:rPr lang="en-US" sz="2200" dirty="0" err="1"/>
-              <a:t>Suchen</a:t>
-            </a:r>
-            <a:r>
-              <a:rPr lang="en-US" sz="2200" dirty="0"/>
-              <a:t> </a:t>
-            </a:r>
-            <a:r>
-              <a:rPr lang="en-US" sz="2200" dirty="0" err="1"/>
-              <a:t>Nach</a:t>
-            </a:r>
-            <a:r>
-              <a:rPr lang="en-US" sz="2200" dirty="0"/>
-              <a:t> </a:t>
-            </a:r>
-            <a:r>
-              <a:rPr lang="en-US" sz="2200" dirty="0" err="1"/>
+              <a:rPr lang="en-US" sz="2000" dirty="0" err="1"/>
+              <a:t>Kostenlose</a:t>
+            </a:r>
+            <a:r>
+              <a:rPr lang="en-US" sz="2000" dirty="0"/>
+              <a:t> API auf 1000 </a:t>
+            </a:r>
+            <a:r>
+              <a:rPr lang="en-US" sz="2000" dirty="0" err="1"/>
               <a:t>Adressen</a:t>
             </a:r>
-            <a:r>
-              <a:rPr lang="en-US" sz="2200" dirty="0"/>
-              <a:t> in CSV </a:t>
-            </a:r>
-            <a:r>
-              <a:rPr lang="en-US" sz="2200" dirty="0" err="1"/>
-              <a:t>Datei</a:t>
-            </a:r>
-            <a:r>
-              <a:rPr lang="en-US" sz="2200" dirty="0"/>
-              <a:t>.</a:t>
-            </a:r>
-          </a:p>
-          <a:p>
-            <a:pPr marL="57150">
-              <a:lnSpc>
-                <a:spcPct val="90000"/>
-              </a:lnSpc>
-              <a:spcAft>
-                <a:spcPts val="600"/>
-              </a:spcAft>
-            </a:pPr>
-            <a:endParaRPr lang="en-US" sz="2200" dirty="0"/>
-          </a:p>
-          <a:p>
-            <a:pPr marL="57150">
-              <a:lnSpc>
-                <a:spcPct val="90000"/>
-              </a:lnSpc>
-              <a:spcAft>
-                <a:spcPts val="600"/>
-              </a:spcAft>
-            </a:pPr>
-            <a:r>
-              <a:rPr lang="en-US" sz="2200" u="sng" dirty="0" err="1"/>
-              <a:t>Vorteile</a:t>
-            </a:r>
-            <a:r>
-              <a:rPr lang="en-US" sz="2200" u="sng" dirty="0"/>
-              <a:t>: </a:t>
-            </a:r>
-            <a:r>
-              <a:rPr lang="en-US" sz="2200" dirty="0" err="1"/>
-              <a:t>Suche</a:t>
-            </a:r>
-            <a:r>
-              <a:rPr lang="en-US" sz="2200" dirty="0"/>
-              <a:t> </a:t>
-            </a:r>
-            <a:r>
-              <a:rPr lang="en-US" sz="2200" dirty="0" err="1"/>
-              <a:t>nicht</a:t>
-            </a:r>
-            <a:r>
-              <a:rPr lang="en-US" sz="2200" dirty="0"/>
-              <a:t> </a:t>
-            </a:r>
-            <a:r>
-              <a:rPr lang="en-US" sz="2200" dirty="0" err="1"/>
-              <a:t>beschränkt</a:t>
-            </a:r>
-            <a:r>
-              <a:rPr lang="en-US" sz="2200" dirty="0"/>
-              <a:t> auf Email </a:t>
-            </a:r>
-            <a:r>
-              <a:rPr lang="en-US" sz="2200" dirty="0" err="1"/>
-              <a:t>Adressen</a:t>
-            </a:r>
-            <a:endParaRPr lang="en-US" sz="2200" dirty="0"/>
-          </a:p>
-          <a:p>
-            <a:pPr marL="57150">
-              <a:lnSpc>
-                <a:spcPct val="90000"/>
-              </a:lnSpc>
-              <a:spcAft>
-                <a:spcPts val="600"/>
-              </a:spcAft>
-            </a:pPr>
-            <a:r>
-              <a:rPr lang="en-US" sz="2200" u="sng" dirty="0" err="1"/>
-              <a:t>Nachteile</a:t>
-            </a:r>
-            <a:r>
-              <a:rPr lang="en-US" sz="2200" u="sng" dirty="0"/>
-              <a:t>: </a:t>
-            </a:r>
-            <a:r>
-              <a:rPr lang="en-US" sz="2200" dirty="0" err="1"/>
-              <a:t>Langsam</a:t>
-            </a:r>
-            <a:r>
-              <a:rPr lang="en-US" sz="2200" dirty="0"/>
-              <a:t> </a:t>
-            </a:r>
-            <a:r>
-              <a:rPr lang="en-US" sz="2200" dirty="0" err="1"/>
-              <a:t>bei</a:t>
-            </a:r>
-            <a:r>
-              <a:rPr lang="en-US" sz="2200" dirty="0"/>
-              <a:t> </a:t>
-            </a:r>
-            <a:r>
-              <a:rPr lang="en-US" sz="2200" dirty="0" err="1"/>
-              <a:t>vielen</a:t>
-            </a:r>
-            <a:r>
-              <a:rPr lang="en-US" sz="2200" dirty="0"/>
-              <a:t> </a:t>
-            </a:r>
-            <a:r>
-              <a:rPr lang="en-US" sz="2200" dirty="0" err="1"/>
-              <a:t>Adressen</a:t>
-            </a:r>
-            <a:r>
-              <a:rPr lang="en-US" sz="2200" dirty="0"/>
-              <a:t> </a:t>
-            </a:r>
+            <a:endParaRPr lang="en-US" sz="2000" dirty="0"/>
           </a:p>
           <a:p>
             <a:pPr indent="-228600">
@@ -6250,14 +6124,203 @@
               <a:buFont typeface="Arial" panose="020B0604020202020204" pitchFamily="34" charset="0"/>
               <a:buChar char="•"/>
             </a:pPr>
-            <a:endParaRPr lang="en-US" sz="2200" dirty="0"/>
+            <a:endParaRPr lang="en-US" sz="2000" dirty="0"/>
+          </a:p>
+          <a:p>
+            <a:pPr>
+              <a:lnSpc>
+                <a:spcPct val="90000"/>
+              </a:lnSpc>
+              <a:spcAft>
+                <a:spcPts val="600"/>
+              </a:spcAft>
+            </a:pPr>
+            <a:r>
+              <a:rPr lang="en-US" sz="2800" u="sng" dirty="0" err="1"/>
+              <a:t>Viele</a:t>
+            </a:r>
+            <a:r>
+              <a:rPr lang="en-US" sz="2800" u="sng" dirty="0"/>
+              <a:t> </a:t>
+            </a:r>
+            <a:r>
+              <a:rPr lang="en-US" sz="2800" u="sng" dirty="0" err="1"/>
+              <a:t>Adressen</a:t>
+            </a:r>
+            <a:endParaRPr lang="en-US" sz="2800" u="sng" dirty="0"/>
+          </a:p>
+          <a:p>
+            <a:pPr>
+              <a:lnSpc>
+                <a:spcPct val="90000"/>
+              </a:lnSpc>
+              <a:spcAft>
+                <a:spcPts val="600"/>
+              </a:spcAft>
+            </a:pPr>
+            <a:r>
+              <a:rPr lang="en-US" sz="2000" dirty="0" err="1"/>
+              <a:t>Adressen</a:t>
+            </a:r>
+            <a:r>
+              <a:rPr lang="en-US" sz="2000" dirty="0"/>
+              <a:t> </a:t>
+            </a:r>
+            <a:r>
+              <a:rPr lang="en-US" sz="2000" dirty="0" err="1"/>
+              <a:t>direkt</a:t>
+            </a:r>
+            <a:r>
+              <a:rPr lang="en-US" sz="2000" dirty="0"/>
+              <a:t> in C# </a:t>
+            </a:r>
+            <a:r>
+              <a:rPr lang="en-US" sz="2000" dirty="0" err="1"/>
+              <a:t>mit</a:t>
+            </a:r>
+            <a:r>
+              <a:rPr lang="en-US" sz="2000" dirty="0"/>
+              <a:t> Random </a:t>
+            </a:r>
+            <a:r>
+              <a:rPr lang="en-US" sz="2000" dirty="0" err="1"/>
+              <a:t>Funktion</a:t>
+            </a:r>
+            <a:r>
+              <a:rPr lang="en-US" sz="2000" dirty="0"/>
+              <a:t> </a:t>
+            </a:r>
+            <a:r>
+              <a:rPr lang="en-US" sz="2000" dirty="0" err="1"/>
+              <a:t>Generieren</a:t>
+            </a:r>
+            <a:r>
+              <a:rPr lang="en-US" sz="2000" dirty="0"/>
+              <a:t>.</a:t>
+            </a:r>
+          </a:p>
+          <a:p>
+            <a:pPr>
+              <a:lnSpc>
+                <a:spcPct val="90000"/>
+              </a:lnSpc>
+              <a:spcAft>
+                <a:spcPts val="600"/>
+              </a:spcAft>
+            </a:pPr>
+            <a:endParaRPr lang="en-US" sz="2000" dirty="0"/>
+          </a:p>
+          <a:p>
+            <a:pPr>
+              <a:lnSpc>
+                <a:spcPct val="90000"/>
+              </a:lnSpc>
+              <a:spcAft>
+                <a:spcPts val="600"/>
+              </a:spcAft>
+            </a:pPr>
+            <a:r>
+              <a:rPr lang="en-US" sz="2000" u="sng" dirty="0" err="1"/>
+              <a:t>Vorteile</a:t>
+            </a:r>
+            <a:r>
+              <a:rPr lang="en-US" sz="2000" u="sng" dirty="0"/>
+              <a:t>:</a:t>
+            </a:r>
+            <a:r>
+              <a:rPr lang="en-US" sz="2000" dirty="0"/>
+              <a:t> </a:t>
+            </a:r>
+            <a:r>
+              <a:rPr lang="en-US" sz="2000" dirty="0" err="1"/>
+              <a:t>Beliebig</a:t>
+            </a:r>
+            <a:r>
+              <a:rPr lang="en-US" sz="2000" dirty="0"/>
+              <a:t> </a:t>
+            </a:r>
+            <a:r>
+              <a:rPr lang="en-US" sz="2000" dirty="0" err="1"/>
+              <a:t>Viele</a:t>
+            </a:r>
+            <a:r>
+              <a:rPr lang="en-US" sz="2000" dirty="0"/>
+              <a:t> </a:t>
+            </a:r>
+            <a:r>
+              <a:rPr lang="en-US" sz="2000" dirty="0" err="1"/>
+              <a:t>Adressen</a:t>
+            </a:r>
+            <a:r>
+              <a:rPr lang="en-US" sz="2000" dirty="0"/>
+              <a:t> </a:t>
+            </a:r>
+            <a:r>
+              <a:rPr lang="en-US" sz="2000" dirty="0" err="1"/>
+              <a:t>Möglich</a:t>
+            </a:r>
+            <a:r>
+              <a:rPr lang="en-US" sz="2000" dirty="0"/>
+              <a:t> (Test </a:t>
+            </a:r>
+            <a:r>
+              <a:rPr lang="en-US" sz="2000" dirty="0" err="1"/>
+              <a:t>Daten</a:t>
+            </a:r>
+            <a:r>
+              <a:rPr lang="en-US" sz="2000" dirty="0"/>
+              <a:t>)</a:t>
+            </a:r>
+          </a:p>
+          <a:p>
+            <a:pPr>
+              <a:lnSpc>
+                <a:spcPct val="90000"/>
+              </a:lnSpc>
+              <a:spcAft>
+                <a:spcPts val="600"/>
+              </a:spcAft>
+            </a:pPr>
+            <a:r>
+              <a:rPr lang="en-US" sz="2000" u="sng" dirty="0" err="1"/>
+              <a:t>Nachteil</a:t>
+            </a:r>
+            <a:r>
+              <a:rPr lang="en-US" sz="2000" u="sng" dirty="0"/>
+              <a:t>:</a:t>
+            </a:r>
+            <a:r>
+              <a:rPr lang="en-US" sz="2000" dirty="0"/>
+              <a:t> </a:t>
+            </a:r>
+            <a:r>
+              <a:rPr lang="en-US" sz="2000" dirty="0" err="1"/>
+              <a:t>Weniger</a:t>
+            </a:r>
+            <a:r>
+              <a:rPr lang="en-US" sz="2000" dirty="0"/>
+              <a:t> </a:t>
+            </a:r>
+            <a:r>
+              <a:rPr lang="en-US" sz="2000" dirty="0" err="1"/>
+              <a:t>Realistische</a:t>
+            </a:r>
+            <a:r>
+              <a:rPr lang="en-US" sz="2000" dirty="0"/>
+              <a:t> </a:t>
+            </a:r>
+            <a:r>
+              <a:rPr lang="en-US" sz="2000" dirty="0" err="1"/>
+              <a:t>Adressen</a:t>
+            </a:r>
+            <a:endParaRPr lang="en-US" sz="2000" dirty="0"/>
           </a:p>
         </p:txBody>
       </p:sp>
     </p:spTree>
     <p:extLst>
       <p:ext uri="{BB962C8B-B14F-4D97-AF65-F5344CB8AC3E}">
-        <p14:creationId xmlns:p14="http://schemas.microsoft.com/office/powerpoint/2010/main" val="2393923827"/>
+        <p14:creationId xmlns:p14="http://schemas.microsoft.com/office/powerpoint/2010/main" val="1856632406"/>
       </p:ext>
     </p:extLst>
   </p:cSld>
@@ -6362,7 +6425,7 @@
           <p:cNvPr id="2" name="Titel 1">
             <a:extLst>
               <a:ext uri="{FF2B5EF4-FFF2-40B4-BE49-F238E27FC236}">
-                <a16:creationId xmlns:a16="http://schemas.microsoft.com/office/drawing/2014/main" id="{F1094C7F-A789-4305-83FC-AD209923D7E6}"/>
+                <a16:creationId xmlns:a16="http://schemas.microsoft.com/office/drawing/2014/main" id="{A8564A9A-5FF2-4D95-80B5-75D9C1494580}"/>
               </a:ext>
             </a:extLst>
           </p:cNvPr>
@@ -6395,7 +6458,7 @@
                 <a:ea typeface="+mj-ea"/>
                 <a:cs typeface="+mj-cs"/>
               </a:rPr>
-              <a:t>Zufalls</a:t>
+              <a:t>Suche</a:t>
             </a:r>
             <a:r>
               <a:rPr lang="en-US" kern="1200" dirty="0">
@@ -6406,7 +6469,7 @@
                 <a:ea typeface="+mj-ea"/>
                 <a:cs typeface="+mj-cs"/>
               </a:rPr>
-              <a:t> </a:t>
+              <a:t> in der </a:t>
             </a:r>
             <a:r>
               <a:rPr lang="en-US" kern="1200" dirty="0" err="1">
@@ -6417,7 +6480,7 @@
                 <a:ea typeface="+mj-ea"/>
                 <a:cs typeface="+mj-cs"/>
               </a:rPr>
-              <a:t>Adressen</a:t>
+              <a:t>Adress</a:t>
             </a:r>
             <a:r>
               <a:rPr lang="en-US" kern="1200" dirty="0">
@@ -6428,7 +6491,15 @@
                 <a:ea typeface="+mj-ea"/>
                 <a:cs typeface="+mj-cs"/>
               </a:rPr>
-              <a:t> </a:t>
+              <a:t>- </a:t>
+            </a:r>
+            <a:r>
+              <a:rPr lang="en-US" dirty="0" err="1">
+                <a:solidFill>
+                  <a:schemeClr val="accent1"/>
+                </a:solidFill>
+              </a:rPr>
+              <a:t>v</a:t>
             </a:r>
             <a:r>
               <a:rPr lang="en-US" kern="1200" dirty="0" err="1">
@@ -6439,7 +6510,7 @@
                 <a:ea typeface="+mj-ea"/>
                 <a:cs typeface="+mj-cs"/>
               </a:rPr>
-              <a:t>Generieren</a:t>
+              <a:t>erwaltung</a:t>
             </a:r>
             <a:endParaRPr lang="en-US" kern="1200" dirty="0">
               <a:solidFill>
@@ -6512,7 +6583,7 @@
           <p:cNvPr id="3" name="Textfeld 2">
             <a:extLst>
               <a:ext uri="{FF2B5EF4-FFF2-40B4-BE49-F238E27FC236}">
-                <a16:creationId xmlns:a16="http://schemas.microsoft.com/office/drawing/2014/main" id="{2A85701C-E123-4337-A15E-ECFF5975B75F}"/>
+                <a16:creationId xmlns:a16="http://schemas.microsoft.com/office/drawing/2014/main" id="{06CFFFE5-06CC-40A7-93B8-BE3411E94A7F}"/>
               </a:ext>
             </a:extLst>
           </p:cNvPr>
@@ -6534,7 +6605,7 @@
           </a:bodyPr>
           <a:lstStyle/>
           <a:p>
-            <a:pPr>
+            <a:pPr marL="57150">
               <a:lnSpc>
                 <a:spcPct val="90000"/>
               </a:lnSpc>
@@ -6543,24 +6614,17 @@
               </a:spcAft>
             </a:pPr>
             <a:r>
-              <a:rPr lang="en-US" sz="2800" u="sng" dirty="0" err="1"/>
-              <a:t>Einzelne</a:t>
-            </a:r>
-            <a:r>
-              <a:rPr lang="en-US" sz="2800" u="sng" dirty="0"/>
-              <a:t> </a:t>
-            </a:r>
-            <a:r>
-              <a:rPr lang="en-US" sz="2800" u="sng" dirty="0" err="1"/>
-              <a:t>Adressen</a:t>
-            </a:r>
-            <a:r>
-              <a:rPr lang="en-US" sz="2800" u="sng" dirty="0"/>
-              <a:t> </a:t>
-            </a:r>
-          </a:p>
-          <a:p>
-            <a:pPr>
+              <a:rPr lang="en-US" sz="2400" u="sng" dirty="0"/>
+              <a:t>C# Dictionary </a:t>
+            </a:r>
+            <a:r>
+              <a:rPr lang="en-US" sz="2400" u="sng" dirty="0" err="1"/>
+              <a:t>Suche</a:t>
+            </a:r>
+            <a:endParaRPr lang="en-US" sz="2400" u="sng" dirty="0"/>
+          </a:p>
+          <a:p>
+            <a:pPr marL="57150">
               <a:lnSpc>
                 <a:spcPct val="90000"/>
               </a:lnSpc>
@@ -6569,46 +6633,32 @@
               </a:spcAft>
             </a:pPr>
             <a:r>
-              <a:rPr lang="en-US" sz="2000" dirty="0" err="1"/>
-              <a:t>Einzelne</a:t>
-            </a:r>
-            <a:r>
-              <a:rPr lang="en-US" sz="2000" dirty="0"/>
+              <a:rPr lang="en-US" sz="2400" dirty="0" err="1"/>
+              <a:t>Schnelle</a:t>
+            </a:r>
+            <a:r>
+              <a:rPr lang="en-US" sz="2400" dirty="0"/>
               <a:t> </a:t>
             </a:r>
             <a:r>
-              <a:rPr lang="en-US" sz="2000" dirty="0" err="1"/>
-              <a:t>Adressen</a:t>
-            </a:r>
-            <a:r>
-              <a:rPr lang="en-US" sz="2000" dirty="0"/>
+              <a:rPr lang="en-US" sz="2400" dirty="0" err="1"/>
+              <a:t>suche</a:t>
+            </a:r>
+            <a:r>
+              <a:rPr lang="en-US" sz="2400" dirty="0"/>
               <a:t> </a:t>
             </a:r>
             <a:r>
-              <a:rPr lang="en-US" sz="2000" dirty="0" err="1"/>
-              <a:t>werden</a:t>
-            </a:r>
-            <a:r>
-              <a:rPr lang="en-US" sz="2000" dirty="0"/>
-              <a:t> von API </a:t>
-            </a:r>
-            <a:r>
-              <a:rPr lang="en-US" sz="2000" dirty="0" err="1"/>
-              <a:t>Geladen</a:t>
-            </a:r>
-            <a:r>
-              <a:rPr lang="en-US" sz="2000" dirty="0"/>
-              <a:t> </a:t>
-            </a:r>
-            <a:r>
-              <a:rPr lang="en-US" sz="2000" dirty="0">
-                <a:hlinkClick r:id="rId2"/>
-              </a:rPr>
-              <a:t>https://api.mockaroo.com/api/ba04da60</a:t>
-            </a:r>
-          </a:p>
-          <a:p>
-            <a:pPr>
+              <a:rPr lang="en-US" sz="2400" dirty="0" err="1"/>
+              <a:t>nach</a:t>
+            </a:r>
+            <a:r>
+              <a:rPr lang="en-US" sz="2400" dirty="0"/>
+              <a:t> Emails in C# Dictionary.</a:t>
+            </a:r>
+          </a:p>
+          <a:p>
+            <a:pPr marL="57150">
               <a:lnSpc>
                 <a:spcPct val="90000"/>
               </a:lnSpc>
@@ -6616,16 +6666,10 @@
                 <a:spcPts val="600"/>
               </a:spcAft>
             </a:pPr>
-            <a:r>
-              <a:rPr lang="en-US" sz="2000" dirty="0">
-                <a:hlinkClick r:id="rId2"/>
-              </a:rPr>
-              <a:t>?count=1&amp;key=e4db1a50</a:t>
-            </a:r>
-            <a:endParaRPr lang="en-US" sz="2000" dirty="0"/>
-          </a:p>
-          <a:p>
-            <a:pPr>
+            <a:endParaRPr lang="en-US" sz="2400" dirty="0"/>
+          </a:p>
+          <a:p>
+            <a:pPr marL="57150">
               <a:lnSpc>
                 <a:spcPct val="90000"/>
               </a:lnSpc>
@@ -6633,10 +6677,46 @@
                 <a:spcPts val="600"/>
               </a:spcAft>
             </a:pPr>
-            <a:endParaRPr lang="en-US" sz="2000" dirty="0"/>
-          </a:p>
-          <a:p>
-            <a:pPr>
+            <a:r>
+              <a:rPr lang="en-US" sz="2400" u="sng" dirty="0" err="1"/>
+              <a:t>Vorteile</a:t>
+            </a:r>
+            <a:r>
+              <a:rPr lang="en-US" sz="2400" u="sng" dirty="0"/>
+              <a:t>: </a:t>
+            </a:r>
+            <a:r>
+              <a:rPr lang="en-US" sz="2400" dirty="0" err="1"/>
+              <a:t>Schnelles</a:t>
+            </a:r>
+            <a:r>
+              <a:rPr lang="en-US" sz="2400" dirty="0"/>
+              <a:t> </a:t>
+            </a:r>
+            <a:r>
+              <a:rPr lang="en-US" sz="2400" dirty="0" err="1"/>
+              <a:t>Suchen</a:t>
+            </a:r>
+            <a:r>
+              <a:rPr lang="en-US" sz="2400" dirty="0"/>
+              <a:t> </a:t>
+            </a:r>
+            <a:r>
+              <a:rPr lang="en-US" sz="2400" dirty="0" err="1"/>
+              <a:t>nach</a:t>
+            </a:r>
+            <a:r>
+              <a:rPr lang="en-US" sz="2400" dirty="0"/>
+              <a:t> Email </a:t>
+            </a:r>
+            <a:r>
+              <a:rPr lang="en-US" sz="2400" dirty="0" err="1"/>
+              <a:t>Adressen</a:t>
+            </a:r>
+            <a:endParaRPr lang="en-US" sz="2400" dirty="0"/>
+          </a:p>
+          <a:p>
+            <a:pPr marL="57150">
               <a:lnSpc>
                 <a:spcPct val="90000"/>
               </a:lnSpc>
@@ -6645,56 +6725,33 @@
               </a:spcAft>
             </a:pPr>
             <a:r>
-              <a:rPr lang="en-US" sz="2000" u="sng" dirty="0" err="1"/>
-              <a:t>Vorteile</a:t>
-            </a:r>
-            <a:r>
-              <a:rPr lang="en-US" sz="2000" u="sng" dirty="0"/>
-              <a:t>: </a:t>
-            </a:r>
-            <a:r>
-              <a:rPr lang="en-US" sz="2000" dirty="0" err="1"/>
-              <a:t>Einfach</a:t>
-            </a:r>
-            <a:r>
-              <a:rPr lang="en-US" sz="2000" dirty="0"/>
+              <a:rPr lang="en-US" sz="2400" u="sng" dirty="0" err="1"/>
+              <a:t>Nachteile</a:t>
+            </a:r>
+            <a:r>
+              <a:rPr lang="en-US" sz="2400" u="sng" dirty="0"/>
+              <a:t>:</a:t>
+            </a:r>
+            <a:r>
+              <a:rPr lang="en-US" sz="2400" dirty="0"/>
               <a:t> </a:t>
             </a:r>
             <a:r>
-              <a:rPr lang="en-US" sz="2000" dirty="0" err="1"/>
-              <a:t>Realistische</a:t>
-            </a:r>
-            <a:r>
-              <a:rPr lang="en-US" sz="2000" dirty="0"/>
-              <a:t> </a:t>
-            </a:r>
-            <a:r>
-              <a:rPr lang="en-US" sz="2000" dirty="0" err="1"/>
-              <a:t>Adressen</a:t>
-            </a:r>
-            <a:r>
-              <a:rPr lang="en-US" sz="2000" dirty="0"/>
-              <a:t> </a:t>
-            </a:r>
-            <a:r>
-              <a:rPr lang="en-US" sz="2000" dirty="0" err="1"/>
-              <a:t>zu</a:t>
-            </a:r>
-            <a:r>
-              <a:rPr lang="en-US" sz="2000" dirty="0"/>
-              <a:t> </a:t>
-            </a:r>
-            <a:r>
-              <a:rPr lang="en-US" sz="2000" dirty="0" err="1"/>
-              <a:t>Erzeugen</a:t>
-            </a:r>
-            <a:r>
-              <a:rPr lang="en-US" sz="2000" dirty="0"/>
-              <a:t> </a:t>
-            </a:r>
-          </a:p>
-          <a:p>
-            <a:pPr>
+              <a:rPr lang="en-US" sz="2400" dirty="0" err="1"/>
+              <a:t>Begrenzt</a:t>
+            </a:r>
+            <a:r>
+              <a:rPr lang="en-US" sz="2400" dirty="0"/>
+              <a:t> Auf Email </a:t>
+            </a:r>
+            <a:r>
+              <a:rPr lang="en-US" sz="2400" dirty="0" err="1"/>
+              <a:t>Suche</a:t>
+            </a:r>
+            <a:endParaRPr lang="en-US" sz="2400" dirty="0"/>
+          </a:p>
+          <a:p>
+            <a:pPr marL="57150">
               <a:lnSpc>
                 <a:spcPct val="90000"/>
               </a:lnSpc>
@@ -6702,35 +6759,188 @@
                 <a:spcPts val="600"/>
               </a:spcAft>
             </a:pPr>
-            <a:r>
-              <a:rPr lang="en-US" sz="2000" u="sng" dirty="0" err="1"/>
+            <a:endParaRPr lang="en-US" sz="2200" u="sng" dirty="0"/>
+          </a:p>
+          <a:p>
+            <a:pPr marL="57150">
+              <a:lnSpc>
+                <a:spcPct val="90000"/>
+              </a:lnSpc>
+              <a:spcAft>
+                <a:spcPts val="600"/>
+              </a:spcAft>
+            </a:pPr>
+            <a:r>
+              <a:rPr lang="en-US" sz="2800" u="sng" dirty="0" err="1"/>
+              <a:t>Direkte</a:t>
+            </a:r>
+            <a:r>
+              <a:rPr lang="en-US" sz="2800" u="sng" dirty="0"/>
+              <a:t> </a:t>
+            </a:r>
+            <a:r>
+              <a:rPr lang="en-US" sz="2800" u="sng" dirty="0" err="1"/>
+              <a:t>Suche</a:t>
+            </a:r>
+            <a:endParaRPr lang="en-US" sz="2800" u="sng" dirty="0"/>
+          </a:p>
+          <a:p>
+            <a:pPr marL="57150">
+              <a:lnSpc>
+                <a:spcPct val="90000"/>
+              </a:lnSpc>
+              <a:spcAft>
+                <a:spcPts val="600"/>
+              </a:spcAft>
+            </a:pPr>
+            <a:r>
+              <a:rPr lang="en-US" sz="2400" dirty="0" err="1"/>
+              <a:t>Direkte</a:t>
+            </a:r>
+            <a:r>
+              <a:rPr lang="en-US" sz="2400" dirty="0"/>
+              <a:t> </a:t>
+            </a:r>
+            <a:r>
+              <a:rPr lang="en-US" sz="2200" dirty="0" err="1"/>
+              <a:t>Suchen</a:t>
+            </a:r>
+            <a:r>
+              <a:rPr lang="en-US" sz="2200" dirty="0"/>
+              <a:t> </a:t>
+            </a:r>
+            <a:r>
+              <a:rPr lang="en-US" sz="2200" dirty="0" err="1"/>
+              <a:t>Nach</a:t>
+            </a:r>
+            <a:r>
+              <a:rPr lang="en-US" sz="2200" dirty="0"/>
+              <a:t> </a:t>
+            </a:r>
+            <a:r>
+              <a:rPr lang="en-US" sz="2200" dirty="0" err="1"/>
+              <a:t>Adressen</a:t>
+            </a:r>
+            <a:r>
+              <a:rPr lang="en-US" sz="2200" dirty="0"/>
+              <a:t> in CSV </a:t>
+            </a:r>
+            <a:r>
+              <a:rPr lang="en-US" sz="2200" dirty="0" err="1"/>
+              <a:t>Datei</a:t>
+            </a:r>
+            <a:r>
+              <a:rPr lang="en-US" sz="2200" dirty="0"/>
+              <a:t>.</a:t>
+            </a:r>
+          </a:p>
+          <a:p>
+            <a:pPr marL="57150">
+              <a:lnSpc>
+                <a:spcPct val="90000"/>
+              </a:lnSpc>
+              <a:spcAft>
+                <a:spcPts val="600"/>
+              </a:spcAft>
+            </a:pPr>
+            <a:endParaRPr lang="en-US" sz="2200" dirty="0"/>
+          </a:p>
+          <a:p>
+            <a:pPr marL="57150">
+              <a:lnSpc>
+                <a:spcPct val="90000"/>
+              </a:lnSpc>
+              <a:spcAft>
+                <a:spcPts val="600"/>
+              </a:spcAft>
+            </a:pPr>
+            <a:r>
+              <a:rPr lang="en-US" sz="2200" u="sng" dirty="0" err="1"/>
+              <a:t>Vorteile</a:t>
+            </a:r>
+            <a:r>
+              <a:rPr lang="en-US" sz="2200" u="sng" dirty="0"/>
+              <a:t>: </a:t>
+            </a:r>
+            <a:r>
+              <a:rPr lang="en-US" sz="2200" dirty="0" err="1"/>
+              <a:t>Suche</a:t>
+            </a:r>
+            <a:r>
+              <a:rPr lang="en-US" sz="2200" dirty="0"/>
+              <a:t> </a:t>
+            </a:r>
+            <a:r>
+              <a:rPr lang="en-US" sz="2200" dirty="0" err="1"/>
+              <a:t>nicht</a:t>
+            </a:r>
+            <a:r>
+              <a:rPr lang="en-US" sz="2200" dirty="0"/>
+              <a:t> </a:t>
+            </a:r>
+            <a:r>
+              <a:rPr lang="en-US" sz="2200" dirty="0" err="1"/>
+              <a:t>beschränkt</a:t>
+            </a:r>
+            <a:r>
+              <a:rPr lang="en-US" sz="2200" dirty="0"/>
+              <a:t> auf Email </a:t>
+            </a:r>
+            <a:r>
+              <a:rPr lang="en-US" sz="2200" dirty="0" err="1"/>
+              <a:t>Adressen</a:t>
+            </a:r>
+            <a:endParaRPr lang="en-US" sz="2200" dirty="0"/>
+          </a:p>
+          <a:p>
+            <a:pPr marL="57150">
+              <a:lnSpc>
+                <a:spcPct val="90000"/>
+              </a:lnSpc>
+              <a:spcAft>
+                <a:spcPts val="600"/>
+              </a:spcAft>
+            </a:pPr>
+            <a:r>
+              <a:rPr lang="en-US" sz="2200" u="sng" dirty="0" err="1"/>
               <a:t>Nachteile</a:t>
             </a:r>
             <a:r>
-              <a:rPr lang="en-US" sz="2000" u="sng" dirty="0"/>
+              <a:rPr lang="en-US" sz="2200" u="sng" dirty="0"/>
               <a:t>: </a:t>
             </a:r>
             <a:r>
-              <a:rPr lang="en-US" sz="2000" dirty="0" err="1"/>
-              <a:t>Beschränkte</a:t>
-            </a:r>
-            <a:r>
-              <a:rPr lang="en-US" sz="2000" dirty="0"/>
+              <a:rPr lang="en-US" sz="2200" dirty="0" err="1"/>
+              <a:t>Langsam</a:t>
+            </a:r>
+            <a:r>
+              <a:rPr lang="en-US" sz="2200" dirty="0"/>
               <a:t> </a:t>
             </a:r>
             <a:r>
-              <a:rPr lang="en-US" sz="2000" dirty="0" err="1"/>
-              <a:t>Kostenlose</a:t>
-            </a:r>
-            <a:r>
-              <a:rPr lang="en-US" sz="2000" dirty="0"/>
-              <a:t> API auf 1000 </a:t>
-            </a:r>
-            <a:r>
-              <a:rPr lang="en-US" sz="2000" dirty="0" err="1"/>
+              <a:rPr lang="en-US" sz="2200" dirty="0" err="1"/>
+              <a:t>bei</a:t>
+            </a:r>
+            <a:r>
+              <a:rPr lang="en-US" sz="2200" dirty="0"/>
+              <a:t> </a:t>
+            </a:r>
+            <a:r>
+              <a:rPr lang="en-US" sz="2200" dirty="0" err="1"/>
+              <a:t>vielen</a:t>
+            </a:r>
+            <a:r>
+              <a:rPr lang="en-US" sz="2200" dirty="0"/>
+              <a:t> </a:t>
+            </a:r>
+            <a:r>
+              <a:rPr lang="en-US" sz="2200" dirty="0" err="1"/>
               <a:t>Adressen</a:t>
             </a:r>
-            <a:endParaRPr lang="en-US" sz="2000" dirty="0"/>
+            <a:r>
+              <a:rPr lang="en-US" sz="2200" dirty="0"/>
+              <a:t> </a:t>
+            </a:r>
           </a:p>
           <a:p>
             <a:pPr indent="-228600">
@@ -6743,203 +6953,14 @@
               <a:buFont typeface="Arial" panose="020B0604020202020204" pitchFamily="34" charset="0"/>
               <a:buChar char="•"/>
             </a:pPr>
-            <a:endParaRPr lang="en-US" sz="2000" dirty="0"/>
-          </a:p>
-          <a:p>
-            <a:pPr>
-              <a:lnSpc>
-                <a:spcPct val="90000"/>
-              </a:lnSpc>
-              <a:spcAft>
-                <a:spcPts val="600"/>
-              </a:spcAft>
-            </a:pPr>
-            <a:r>
-              <a:rPr lang="en-US" sz="2800" u="sng" dirty="0" err="1"/>
-              <a:t>Viele</a:t>
-            </a:r>
-            <a:r>
-              <a:rPr lang="en-US" sz="2800" u="sng" dirty="0"/>
-              <a:t> </a:t>
-            </a:r>
-            <a:r>
-              <a:rPr lang="en-US" sz="2800" u="sng" dirty="0" err="1"/>
-              <a:t>Adressen</a:t>
-            </a:r>
-            <a:endParaRPr lang="en-US" sz="2800" u="sng" dirty="0"/>
-          </a:p>
-          <a:p>
-            <a:pPr>
-              <a:lnSpc>
-                <a:spcPct val="90000"/>
-              </a:lnSpc>
-              <a:spcAft>
-                <a:spcPts val="600"/>
-              </a:spcAft>
-            </a:pPr>
-            <a:r>
-              <a:rPr lang="en-US" sz="2000" dirty="0" err="1"/>
-              <a:t>Adressen</a:t>
-            </a:r>
-            <a:r>
-              <a:rPr lang="en-US" sz="2000" dirty="0"/>
-              <a:t> </a:t>
-            </a:r>
-            <a:r>
-              <a:rPr lang="en-US" sz="2000" dirty="0" err="1"/>
-              <a:t>direkt</a:t>
-            </a:r>
-            <a:r>
-              <a:rPr lang="en-US" sz="2000" dirty="0"/>
-              <a:t> in C# </a:t>
-            </a:r>
-            <a:r>
-              <a:rPr lang="en-US" sz="2000" dirty="0" err="1"/>
-              <a:t>mit</a:t>
-            </a:r>
-            <a:r>
-              <a:rPr lang="en-US" sz="2000" dirty="0"/>
-              <a:t> Random </a:t>
-            </a:r>
-            <a:r>
-              <a:rPr lang="en-US" sz="2000" dirty="0" err="1"/>
-              <a:t>Funktion</a:t>
-            </a:r>
-            <a:r>
-              <a:rPr lang="en-US" sz="2000" dirty="0"/>
-              <a:t> </a:t>
-            </a:r>
-            <a:r>
-              <a:rPr lang="en-US" sz="2000" dirty="0" err="1"/>
-              <a:t>Generieren</a:t>
-            </a:r>
-            <a:r>
-              <a:rPr lang="en-US" sz="2000" dirty="0"/>
-              <a:t>.</a:t>
-            </a:r>
-          </a:p>
-          <a:p>
-            <a:pPr>
-              <a:lnSpc>
-                <a:spcPct val="90000"/>
-              </a:lnSpc>
-              <a:spcAft>
-                <a:spcPts val="600"/>
-              </a:spcAft>
-            </a:pPr>
-            <a:endParaRPr lang="en-US" sz="2000" dirty="0"/>
-          </a:p>
-          <a:p>
-            <a:pPr>
-              <a:lnSpc>
-                <a:spcPct val="90000"/>
-              </a:lnSpc>
-              <a:spcAft>
-                <a:spcPts val="600"/>
-              </a:spcAft>
-            </a:pPr>
-            <a:r>
-              <a:rPr lang="en-US" sz="2000" u="sng" dirty="0" err="1"/>
-              <a:t>Vorteile</a:t>
-            </a:r>
-            <a:r>
-              <a:rPr lang="en-US" sz="2000" u="sng" dirty="0"/>
-              <a:t>:</a:t>
-            </a:r>
-            <a:r>
-              <a:rPr lang="en-US" sz="2000" dirty="0"/>
-              <a:t> </a:t>
-            </a:r>
-            <a:r>
-              <a:rPr lang="en-US" sz="2000" dirty="0" err="1"/>
-              <a:t>Beliebig</a:t>
-            </a:r>
-            <a:r>
-              <a:rPr lang="en-US" sz="2000" dirty="0"/>
-              <a:t> </a:t>
-            </a:r>
-            <a:r>
-              <a:rPr lang="en-US" sz="2000" dirty="0" err="1"/>
-              <a:t>Viele</a:t>
-            </a:r>
-            <a:r>
-              <a:rPr lang="en-US" sz="2000" dirty="0"/>
-              <a:t> </a:t>
-            </a:r>
-            <a:r>
-              <a:rPr lang="en-US" sz="2000" dirty="0" err="1"/>
-              <a:t>Adressen</a:t>
-            </a:r>
-            <a:r>
-              <a:rPr lang="en-US" sz="2000" dirty="0"/>
-              <a:t> </a:t>
-            </a:r>
-            <a:r>
-              <a:rPr lang="en-US" sz="2000" dirty="0" err="1"/>
-              <a:t>Möglich</a:t>
-            </a:r>
-            <a:r>
-              <a:rPr lang="en-US" sz="2000" dirty="0"/>
-              <a:t> (Test </a:t>
-            </a:r>
-            <a:r>
-              <a:rPr lang="en-US" sz="2000" dirty="0" err="1"/>
-              <a:t>Daten</a:t>
-            </a:r>
-            <a:r>
-              <a:rPr lang="en-US" sz="2000" dirty="0"/>
-              <a:t>)</a:t>
-            </a:r>
-          </a:p>
-          <a:p>
-            <a:pPr>
-              <a:lnSpc>
-                <a:spcPct val="90000"/>
-              </a:lnSpc>
-              <a:spcAft>
-                <a:spcPts val="600"/>
-              </a:spcAft>
-            </a:pPr>
-            <a:r>
-              <a:rPr lang="en-US" sz="2000" u="sng" dirty="0" err="1"/>
-              <a:t>Nachteil</a:t>
-            </a:r>
-            <a:r>
-              <a:rPr lang="en-US" sz="2000" u="sng" dirty="0"/>
-              <a:t>:</a:t>
-            </a:r>
-            <a:r>
-              <a:rPr lang="en-US" sz="2000" dirty="0"/>
-              <a:t> </a:t>
-            </a:r>
-            <a:r>
-              <a:rPr lang="en-US" sz="2000" dirty="0" err="1"/>
-              <a:t>Weniger</a:t>
-            </a:r>
-            <a:r>
-              <a:rPr lang="en-US" sz="2000" dirty="0"/>
-              <a:t> </a:t>
-            </a:r>
-            <a:r>
-              <a:rPr lang="en-US" sz="2000" dirty="0" err="1"/>
-              <a:t>Realistische</a:t>
-            </a:r>
-            <a:r>
-              <a:rPr lang="en-US" sz="2000" dirty="0"/>
-              <a:t> </a:t>
-            </a:r>
-            <a:r>
-              <a:rPr lang="en-US" sz="2000" dirty="0" err="1"/>
-              <a:t>Adressen</a:t>
-            </a:r>
-            <a:endParaRPr lang="en-US" sz="2000" dirty="0"/>
+            <a:endParaRPr lang="en-US" sz="2200" dirty="0"/>
           </a:p>
         </p:txBody>
       </p:sp>
     </p:spTree>
     <p:extLst>
       <p:ext uri="{BB962C8B-B14F-4D97-AF65-F5344CB8AC3E}">
-        <p14:creationId xmlns:p14="http://schemas.microsoft.com/office/powerpoint/2010/main" val="1856632406"/>
+        <p14:creationId xmlns:p14="http://schemas.microsoft.com/office/powerpoint/2010/main" val="2393923827"/>
       </p:ext>
     </p:extLst>
   </p:cSld>
